--- a/docs/diagrams/ImportCommandExecutionFrame.pptx
+++ b/docs/diagrams/ImportCommandExecutionFrame.pptx
@@ -126,6 +126,10 @@
 </p:presentation>
 </file>
 
+<file path=ppt/revisionInfo.xml><?xml version="1.0" encoding="utf-8"?>
+<p1510:revInfo xmlns:a="http://schemas.openxmlformats.org/drawingml/2006/main" xmlns:r="http://schemas.openxmlformats.org/officeDocument/2006/relationships" xmlns:p1510="http://schemas.microsoft.com/office/powerpoint/2015/10/main"/>
+</file>
+
 <file path=ppt/notesMasters/notesMaster1.xml><?xml version="1.0" encoding="utf-8"?>
 <p:notesMaster xmlns:a="http://schemas.openxmlformats.org/drawingml/2006/main" xmlns:r="http://schemas.openxmlformats.org/officeDocument/2006/relationships" xmlns:p="http://schemas.openxmlformats.org/presentationml/2006/main">
   <p:cSld>
@@ -208,7 +212,7 @@
           <a:p>
             <a:fld id="{F5CC4B3F-88C1-4FFA-B1B6-F41C21DC6924}" type="datetimeFigureOut">
               <a:rPr lang="en-US" smtClean="0"/>
-              <a:t>11/12/2017</a:t>
+              <a:t>11/13/2017</a:t>
             </a:fld>
             <a:endParaRPr lang="en-US"/>
           </a:p>
@@ -738,7 +742,7 @@
           <a:p>
             <a:fld id="{78C97017-6FC3-485B-9764-EAC9E56C1D49}" type="datetimeFigureOut">
               <a:rPr lang="en-US" smtClean="0"/>
-              <a:t>11/12/2017</a:t>
+              <a:t>11/13/2017</a:t>
             </a:fld>
             <a:endParaRPr lang="en-US"/>
           </a:p>
@@ -906,7 +910,7 @@
           <a:p>
             <a:fld id="{78C97017-6FC3-485B-9764-EAC9E56C1D49}" type="datetimeFigureOut">
               <a:rPr lang="en-US" smtClean="0"/>
-              <a:t>11/12/2017</a:t>
+              <a:t>11/13/2017</a:t>
             </a:fld>
             <a:endParaRPr lang="en-US"/>
           </a:p>
@@ -1084,7 +1088,7 @@
           <a:p>
             <a:fld id="{78C97017-6FC3-485B-9764-EAC9E56C1D49}" type="datetimeFigureOut">
               <a:rPr lang="en-US" smtClean="0"/>
-              <a:t>11/12/2017</a:t>
+              <a:t>11/13/2017</a:t>
             </a:fld>
             <a:endParaRPr lang="en-US"/>
           </a:p>
@@ -1252,7 +1256,7 @@
           <a:p>
             <a:fld id="{78C97017-6FC3-485B-9764-EAC9E56C1D49}" type="datetimeFigureOut">
               <a:rPr lang="en-US" smtClean="0"/>
-              <a:t>11/12/2017</a:t>
+              <a:t>11/13/2017</a:t>
             </a:fld>
             <a:endParaRPr lang="en-US"/>
           </a:p>
@@ -1497,7 +1501,7 @@
           <a:p>
             <a:fld id="{78C97017-6FC3-485B-9764-EAC9E56C1D49}" type="datetimeFigureOut">
               <a:rPr lang="en-US" smtClean="0"/>
-              <a:t>11/12/2017</a:t>
+              <a:t>11/13/2017</a:t>
             </a:fld>
             <a:endParaRPr lang="en-US"/>
           </a:p>
@@ -1782,7 +1786,7 @@
           <a:p>
             <a:fld id="{78C97017-6FC3-485B-9764-EAC9E56C1D49}" type="datetimeFigureOut">
               <a:rPr lang="en-US" smtClean="0"/>
-              <a:t>11/12/2017</a:t>
+              <a:t>11/13/2017</a:t>
             </a:fld>
             <a:endParaRPr lang="en-US"/>
           </a:p>
@@ -2201,7 +2205,7 @@
           <a:p>
             <a:fld id="{78C97017-6FC3-485B-9764-EAC9E56C1D49}" type="datetimeFigureOut">
               <a:rPr lang="en-US" smtClean="0"/>
-              <a:t>11/12/2017</a:t>
+              <a:t>11/13/2017</a:t>
             </a:fld>
             <a:endParaRPr lang="en-US"/>
           </a:p>
@@ -2318,7 +2322,7 @@
           <a:p>
             <a:fld id="{78C97017-6FC3-485B-9764-EAC9E56C1D49}" type="datetimeFigureOut">
               <a:rPr lang="en-US" smtClean="0"/>
-              <a:t>11/12/2017</a:t>
+              <a:t>11/13/2017</a:t>
             </a:fld>
             <a:endParaRPr lang="en-US"/>
           </a:p>
@@ -2413,7 +2417,7 @@
           <a:p>
             <a:fld id="{78C97017-6FC3-485B-9764-EAC9E56C1D49}" type="datetimeFigureOut">
               <a:rPr lang="en-US" smtClean="0"/>
-              <a:t>11/12/2017</a:t>
+              <a:t>11/13/2017</a:t>
             </a:fld>
             <a:endParaRPr lang="en-US"/>
           </a:p>
@@ -2688,7 +2692,7 @@
           <a:p>
             <a:fld id="{78C97017-6FC3-485B-9764-EAC9E56C1D49}" type="datetimeFigureOut">
               <a:rPr lang="en-US" smtClean="0"/>
-              <a:t>11/12/2017</a:t>
+              <a:t>11/13/2017</a:t>
             </a:fld>
             <a:endParaRPr lang="en-US"/>
           </a:p>
@@ -2940,7 +2944,7 @@
           <a:p>
             <a:fld id="{78C97017-6FC3-485B-9764-EAC9E56C1D49}" type="datetimeFigureOut">
               <a:rPr lang="en-US" smtClean="0"/>
-              <a:t>11/12/2017</a:t>
+              <a:t>11/13/2017</a:t>
             </a:fld>
             <a:endParaRPr lang="en-US"/>
           </a:p>
@@ -3151,7 +3155,7 @@
           <a:p>
             <a:fld id="{78C97017-6FC3-485B-9764-EAC9E56C1D49}" type="datetimeFigureOut">
               <a:rPr lang="en-US" smtClean="0"/>
-              <a:t>11/12/2017</a:t>
+              <a:t>11/13/2017</a:t>
             </a:fld>
             <a:endParaRPr lang="en-US"/>
           </a:p>
@@ -3528,6 +3532,73 @@
       </p:grpSpPr>
       <p:sp>
         <p:nvSpPr>
+          <p:cNvPr id="55" name="Rectangle 65">
+            <a:extLst>
+              <a:ext uri="{FF2B5EF4-FFF2-40B4-BE49-F238E27FC236}">
+                <a16:creationId xmlns:a16="http://schemas.microsoft.com/office/drawing/2014/main" id="{D6C4F76B-711E-472F-A59D-D87245720BDD}"/>
+              </a:ext>
+            </a:extLst>
+          </p:cNvPr>
+          <p:cNvSpPr/>
+          <p:nvPr/>
+        </p:nvSpPr>
+        <p:spPr>
+          <a:xfrm>
+            <a:off x="4181689" y="179699"/>
+            <a:ext cx="5950457" cy="5078158"/>
+          </a:xfrm>
+          <a:prstGeom prst="roundRect">
+            <a:avLst>
+              <a:gd name="adj" fmla="val 3484"/>
+            </a:avLst>
+          </a:prstGeom>
+          <a:solidFill>
+            <a:schemeClr val="accent4">
+              <a:lumMod val="20000"/>
+              <a:lumOff val="80000"/>
+            </a:schemeClr>
+          </a:solidFill>
+          <a:ln w="19050">
+            <a:noFill/>
+          </a:ln>
+          <a:effectLst/>
+        </p:spPr>
+        <p:style>
+          <a:lnRef idx="1">
+            <a:schemeClr val="accent2"/>
+          </a:lnRef>
+          <a:fillRef idx="2">
+            <a:schemeClr val="accent2"/>
+          </a:fillRef>
+          <a:effectRef idx="1">
+            <a:schemeClr val="accent2"/>
+          </a:effectRef>
+          <a:fontRef idx="minor">
+            <a:schemeClr val="dk1"/>
+          </a:fontRef>
+        </p:style>
+        <p:txBody>
+          <a:bodyPr rtlCol="0" anchor="t"/>
+          <a:lstStyle/>
+          <a:p>
+            <a:r>
+              <a:rPr lang="en-US" sz="1200" b="1" dirty="0">
+                <a:solidFill>
+                  <a:srgbClr val="7030A0"/>
+                </a:solidFill>
+              </a:rPr>
+              <a:t>Model</a:t>
+            </a:r>
+            <a:endParaRPr lang="en-SG" sz="1200" b="1" dirty="0">
+              <a:solidFill>
+                <a:srgbClr val="7030A0"/>
+              </a:solidFill>
+            </a:endParaRPr>
+          </a:p>
+        </p:txBody>
+      </p:sp>
+      <p:sp>
+        <p:nvSpPr>
           <p:cNvPr id="189" name="Rectangle 188">
             <a:extLst>
               <a:ext uri="{FF2B5EF4-FFF2-40B4-BE49-F238E27FC236}">
@@ -3587,181 +3658,14 @@
       </p:sp>
       <p:sp>
         <p:nvSpPr>
-          <p:cNvPr id="173" name="Rectangle 172">
-            <a:extLst>
-              <a:ext uri="{FF2B5EF4-FFF2-40B4-BE49-F238E27FC236}">
-                <a16:creationId xmlns:a16="http://schemas.microsoft.com/office/drawing/2014/main" id="{BA476454-403F-4F8C-BFAE-B120AB856579}"/>
-              </a:ext>
-            </a:extLst>
-          </p:cNvPr>
-          <p:cNvSpPr/>
-          <p:nvPr/>
-        </p:nvSpPr>
-        <p:spPr>
-          <a:xfrm>
-            <a:off x="6233924" y="3142953"/>
-            <a:ext cx="243888" cy="72916"/>
-          </a:xfrm>
-          <a:prstGeom prst="rect">
-            <a:avLst/>
-          </a:prstGeom>
-          <a:solidFill>
-            <a:srgbClr val="0070C0"/>
-          </a:solidFill>
-          <a:ln>
-            <a:solidFill>
-              <a:srgbClr val="0070C0"/>
-            </a:solidFill>
-          </a:ln>
-          <a:effectLst/>
-        </p:spPr>
-        <p:style>
-          <a:lnRef idx="1">
-            <a:schemeClr val="accent3"/>
-          </a:lnRef>
-          <a:fillRef idx="2">
-            <a:schemeClr val="accent3"/>
-          </a:fillRef>
-          <a:effectRef idx="1">
-            <a:schemeClr val="accent3"/>
-          </a:effectRef>
-          <a:fontRef idx="minor">
-            <a:schemeClr val="dk1"/>
-          </a:fontRef>
-        </p:style>
-        <p:txBody>
-          <a:bodyPr rtlCol="0" anchor="ctr"/>
-          <a:lstStyle/>
-          <a:p>
-            <a:pPr algn="ctr"/>
-            <a:endParaRPr lang="en-SG" sz="1400"/>
-          </a:p>
-        </p:txBody>
-      </p:sp>
-      <p:sp>
-        <p:nvSpPr>
-          <p:cNvPr id="76" name="Rectangle 75">
-            <a:extLst>
-              <a:ext uri="{FF2B5EF4-FFF2-40B4-BE49-F238E27FC236}">
-                <a16:creationId xmlns:a16="http://schemas.microsoft.com/office/drawing/2014/main" id="{BD1F438C-A0A1-447B-A7EC-6BB08DF03B2E}"/>
-              </a:ext>
-            </a:extLst>
-          </p:cNvPr>
-          <p:cNvSpPr/>
-          <p:nvPr/>
-        </p:nvSpPr>
-        <p:spPr>
-          <a:xfrm>
-            <a:off x="6563037" y="2458390"/>
-            <a:ext cx="147125" cy="131609"/>
-          </a:xfrm>
-          <a:prstGeom prst="rect">
-            <a:avLst/>
-          </a:prstGeom>
-          <a:solidFill>
-            <a:srgbClr val="0070C0"/>
-          </a:solidFill>
-          <a:ln>
-            <a:solidFill>
-              <a:srgbClr val="0070C0"/>
-            </a:solidFill>
-          </a:ln>
-          <a:effectLst/>
-        </p:spPr>
-        <p:style>
-          <a:lnRef idx="1">
-            <a:schemeClr val="accent3"/>
-          </a:lnRef>
-          <a:fillRef idx="2">
-            <a:schemeClr val="accent3"/>
-          </a:fillRef>
-          <a:effectRef idx="1">
-            <a:schemeClr val="accent3"/>
-          </a:effectRef>
-          <a:fontRef idx="minor">
-            <a:schemeClr val="dk1"/>
-          </a:fontRef>
-        </p:style>
-        <p:txBody>
-          <a:bodyPr rtlCol="0" anchor="ctr"/>
-          <a:lstStyle/>
-          <a:p>
-            <a:pPr algn="ctr"/>
-            <a:endParaRPr lang="en-SG" sz="1400">
-              <a:solidFill>
-                <a:schemeClr val="dk1"/>
-              </a:solidFill>
-            </a:endParaRPr>
-          </a:p>
-        </p:txBody>
-      </p:sp>
-      <p:sp>
-        <p:nvSpPr>
-          <p:cNvPr id="63" name="Rectangle 62">
-            <a:extLst>
-              <a:ext uri="{FF2B5EF4-FFF2-40B4-BE49-F238E27FC236}">
-                <a16:creationId xmlns:a16="http://schemas.microsoft.com/office/drawing/2014/main" id="{01FED569-8256-4B0F-B000-3031B7E104F3}"/>
-              </a:ext>
-            </a:extLst>
-          </p:cNvPr>
-          <p:cNvSpPr/>
-          <p:nvPr/>
-        </p:nvSpPr>
-        <p:spPr>
-          <a:xfrm>
-            <a:off x="6653085" y="1900710"/>
-            <a:ext cx="193083" cy="45719"/>
-          </a:xfrm>
-          <a:prstGeom prst="rect">
-            <a:avLst/>
-          </a:prstGeom>
-          <a:solidFill>
-            <a:srgbClr val="0070C0"/>
-          </a:solidFill>
-          <a:ln>
-            <a:solidFill>
-              <a:schemeClr val="tx2"/>
-            </a:solidFill>
-          </a:ln>
-          <a:effectLst/>
-        </p:spPr>
-        <p:style>
-          <a:lnRef idx="1">
-            <a:schemeClr val="accent3"/>
-          </a:lnRef>
-          <a:fillRef idx="2">
-            <a:schemeClr val="accent3"/>
-          </a:fillRef>
-          <a:effectRef idx="1">
-            <a:schemeClr val="accent3"/>
-          </a:effectRef>
-          <a:fontRef idx="minor">
-            <a:schemeClr val="dk1"/>
-          </a:fontRef>
-        </p:style>
-        <p:txBody>
-          <a:bodyPr rtlCol="0" anchor="ctr"/>
-          <a:lstStyle/>
-          <a:p>
-            <a:pPr algn="ctr"/>
-            <a:endParaRPr lang="en-SG" sz="1400">
-              <a:solidFill>
-                <a:schemeClr val="dk1"/>
-              </a:solidFill>
-            </a:endParaRPr>
-          </a:p>
-        </p:txBody>
-      </p:sp>
-      <p:sp>
-        <p:nvSpPr>
           <p:cNvPr id="81" name="Rectangle 65"/>
           <p:cNvSpPr/>
           <p:nvPr/>
         </p:nvSpPr>
         <p:spPr>
           <a:xfrm>
-            <a:off x="57630" y="304800"/>
-            <a:ext cx="10153169" cy="5287233"/>
+            <a:off x="57631" y="304800"/>
+            <a:ext cx="3446172" cy="5287233"/>
           </a:xfrm>
           <a:prstGeom prst="roundRect">
             <a:avLst>
@@ -4074,7 +3978,7 @@
           </a:prstGeom>
           <a:ln w="19050">
             <a:solidFill>
-              <a:srgbClr val="0070C0"/>
+              <a:srgbClr val="7030A0"/>
             </a:solidFill>
             <a:prstDash val="sysDash"/>
           </a:ln>
@@ -4110,11 +4014,11 @@
             <a:avLst/>
           </a:prstGeom>
           <a:solidFill>
-            <a:srgbClr val="0070C0"/>
+            <a:srgbClr val="7030A0"/>
           </a:solidFill>
           <a:ln>
             <a:solidFill>
-              <a:srgbClr val="0070C0"/>
+              <a:srgbClr val="7030A0"/>
             </a:solidFill>
           </a:ln>
           <a:effectLst/>
@@ -4160,7 +4064,7 @@
           </a:prstGeom>
           <a:ln w="19050">
             <a:solidFill>
-              <a:srgbClr val="0070C0"/>
+              <a:srgbClr val="7030A0"/>
             </a:solidFill>
             <a:tailEnd type="arrow"/>
           </a:ln>
@@ -4195,11 +4099,11 @@
             <a:avLst/>
           </a:prstGeom>
           <a:solidFill>
-            <a:srgbClr val="0070C0"/>
+            <a:srgbClr val="7030A0"/>
           </a:solidFill>
           <a:ln w="19050">
             <a:solidFill>
-              <a:srgbClr val="0070C0"/>
+              <a:srgbClr val="7030A0"/>
             </a:solidFill>
           </a:ln>
           <a:effectLst/>
@@ -4307,7 +4211,7 @@
           </a:prstGeom>
           <a:ln w="19050">
             <a:solidFill>
-              <a:srgbClr val="0070C0"/>
+              <a:srgbClr val="7030A0"/>
             </a:solidFill>
             <a:prstDash val="sysDash"/>
           </a:ln>
@@ -4349,11 +4253,11 @@
             <a:avLst/>
           </a:prstGeom>
           <a:solidFill>
-            <a:srgbClr val="0070C0"/>
+            <a:srgbClr val="7030A0"/>
           </a:solidFill>
           <a:ln w="19050">
             <a:solidFill>
-              <a:srgbClr val="0070C0"/>
+              <a:srgbClr val="7030A0"/>
             </a:solidFill>
           </a:ln>
           <a:effectLst/>
@@ -4417,7 +4321,7 @@
           </a:prstGeom>
           <a:ln w="19050">
             <a:solidFill>
-              <a:srgbClr val="0070C0"/>
+              <a:srgbClr val="7030A0"/>
             </a:solidFill>
             <a:prstDash val="sysDash"/>
             <a:headEnd type="arrow" w="med" len="med"/>
@@ -4554,11 +4458,11 @@
             <a:avLst/>
           </a:prstGeom>
           <a:solidFill>
-            <a:srgbClr val="0070C0"/>
+            <a:srgbClr val="7030A0"/>
           </a:solidFill>
           <a:ln>
             <a:solidFill>
-              <a:srgbClr val="0070C0"/>
+              <a:srgbClr val="7030A0"/>
             </a:solidFill>
           </a:ln>
           <a:effectLst/>
@@ -4614,7 +4518,7 @@
           </a:prstGeom>
           <a:ln w="19050">
             <a:solidFill>
-              <a:srgbClr val="0070C0"/>
+              <a:srgbClr val="7030A0"/>
             </a:solidFill>
             <a:prstDash val="sysDash"/>
             <a:headEnd type="arrow" w="med" len="med"/>
@@ -4657,6 +4561,9 @@
             <a:avLst/>
           </a:prstGeom>
           <a:noFill/>
+          <a:ln>
+            <a:noFill/>
+          </a:ln>
         </p:spPr>
         <p:txBody>
           <a:bodyPr wrap="square" lIns="0" tIns="0" rIns="0" bIns="0" rtlCol="0">
@@ -4676,11 +4583,19 @@
           </a:lstStyle>
           <a:p>
             <a:r>
-              <a:rPr lang="en-US" sz="1100" dirty="0" err="1"/>
+              <a:rPr lang="en-US" sz="1100" dirty="0" err="1">
+                <a:solidFill>
+                  <a:srgbClr val="7030A0"/>
+                </a:solidFill>
+              </a:rPr>
               <a:t>maintainSorted</a:t>
             </a:r>
             <a:r>
-              <a:rPr lang="en-US" sz="1100" dirty="0"/>
+              <a:rPr lang="en-US" sz="1100" dirty="0">
+                <a:solidFill>
+                  <a:srgbClr val="7030A0"/>
+                </a:solidFill>
+              </a:rPr>
               <a:t>()</a:t>
             </a:r>
           </a:p>
@@ -5034,27 +4949,51 @@
           </a:lstStyle>
           <a:p>
             <a:r>
-              <a:rPr lang="en-US" sz="1100" dirty="0" err="1"/>
+              <a:rPr lang="en-US" sz="1100" dirty="0" err="1">
+                <a:solidFill>
+                  <a:srgbClr val="7030A0"/>
+                </a:solidFill>
+              </a:rPr>
               <a:t>addAllParcels</a:t>
             </a:r>
             <a:r>
-              <a:rPr lang="en-US" sz="1100" dirty="0"/>
+              <a:rPr lang="en-US" sz="1100" dirty="0">
+                <a:solidFill>
+                  <a:srgbClr val="7030A0"/>
+                </a:solidFill>
+              </a:rPr>
               <a:t>(parcels, </a:t>
             </a:r>
             <a:r>
-              <a:rPr lang="en-US" sz="1100" dirty="0" err="1"/>
+              <a:rPr lang="en-US" sz="1100" dirty="0" err="1">
+                <a:solidFill>
+                  <a:srgbClr val="7030A0"/>
+                </a:solidFill>
+              </a:rPr>
               <a:t>uniqueParcels</a:t>
             </a:r>
             <a:r>
-              <a:rPr lang="en-US" sz="1100" dirty="0"/>
+              <a:rPr lang="en-US" sz="1100" dirty="0">
+                <a:solidFill>
+                  <a:srgbClr val="7030A0"/>
+                </a:solidFill>
+              </a:rPr>
               <a:t>, </a:t>
             </a:r>
             <a:r>
-              <a:rPr lang="en-US" sz="1100" dirty="0" err="1"/>
+              <a:rPr lang="en-US" sz="1100" dirty="0" err="1">
+                <a:solidFill>
+                  <a:srgbClr val="7030A0"/>
+                </a:solidFill>
+              </a:rPr>
               <a:t>duplicateParcels</a:t>
             </a:r>
             <a:r>
-              <a:rPr lang="en-US" sz="1100" dirty="0"/>
+              <a:rPr lang="en-US" sz="1100" dirty="0">
+                <a:solidFill>
+                  <a:srgbClr val="7030A0"/>
+                </a:solidFill>
+              </a:rPr>
               <a:t>) </a:t>
             </a:r>
           </a:p>
@@ -5085,7 +5024,7 @@
           </a:prstGeom>
           <a:ln w="19050">
             <a:solidFill>
-              <a:srgbClr val="0070C0"/>
+              <a:srgbClr val="7030A0"/>
             </a:solidFill>
             <a:tailEnd type="arrow"/>
           </a:ln>
@@ -5145,19 +5084,35 @@
           </a:lstStyle>
           <a:p>
             <a:r>
-              <a:rPr lang="en-US" sz="1100" dirty="0" err="1"/>
+              <a:rPr lang="en-US" sz="1100" dirty="0" err="1">
+                <a:solidFill>
+                  <a:srgbClr val="7030A0"/>
+                </a:solidFill>
+              </a:rPr>
               <a:t>addParcel</a:t>
             </a:r>
             <a:r>
-              <a:rPr lang="en-US" sz="1100" dirty="0"/>
+              <a:rPr lang="en-US" sz="1100" dirty="0">
+                <a:solidFill>
+                  <a:srgbClr val="7030A0"/>
+                </a:solidFill>
+              </a:rPr>
               <a:t>(</a:t>
             </a:r>
             <a:r>
-              <a:rPr lang="en-US" sz="1100" dirty="0" err="1"/>
+              <a:rPr lang="en-US" sz="1100" dirty="0" err="1">
+                <a:solidFill>
+                  <a:srgbClr val="7030A0"/>
+                </a:solidFill>
+              </a:rPr>
               <a:t>parcel:ReadOnlyParcel</a:t>
             </a:r>
             <a:r>
-              <a:rPr lang="en-US" sz="1100" dirty="0"/>
+              <a:rPr lang="en-US" sz="1100" dirty="0">
+                <a:solidFill>
+                  <a:srgbClr val="7030A0"/>
+                </a:solidFill>
+              </a:rPr>
               <a:t>)</a:t>
             </a:r>
           </a:p>
@@ -5328,11 +5283,11 @@
             <a:avLst/>
           </a:prstGeom>
           <a:solidFill>
-            <a:srgbClr val="0070C0"/>
+            <a:srgbClr val="7030A0"/>
           </a:solidFill>
           <a:ln>
             <a:solidFill>
-              <a:srgbClr val="0070C0"/>
+              <a:srgbClr val="7030A0"/>
             </a:solidFill>
           </a:ln>
           <a:effectLst/>
@@ -5374,7 +5329,7 @@
         </p:nvSpPr>
         <p:spPr>
           <a:xfrm>
-            <a:off x="5907580" y="1928438"/>
+            <a:off x="6067411" y="1905874"/>
             <a:ext cx="1605164" cy="169277"/>
           </a:xfrm>
           <a:prstGeom prst="rect">
@@ -5431,11 +5386,11 @@
             <a:avLst/>
           </a:prstGeom>
           <a:solidFill>
-            <a:srgbClr val="0070C0"/>
+            <a:srgbClr val="7030A0"/>
           </a:solidFill>
           <a:ln>
             <a:solidFill>
-              <a:srgbClr val="0070C0"/>
+              <a:srgbClr val="7030A0"/>
             </a:solidFill>
           </a:ln>
           <a:effectLst/>
@@ -5477,19 +5432,19 @@
         </p:nvSpPr>
         <p:spPr>
           <a:xfrm>
-            <a:off x="6266604" y="3175108"/>
+            <a:off x="6248611" y="3195983"/>
             <a:ext cx="211208" cy="263689"/>
           </a:xfrm>
           <a:prstGeom prst="rect">
             <a:avLst/>
           </a:prstGeom>
           <a:solidFill>
-            <a:srgbClr val="0070C0"/>
+            <a:srgbClr val="7030A0"/>
           </a:solidFill>
           <a:ln>
             <a:solidFill>
-              <a:schemeClr val="tx2">
-                <a:lumMod val="75000"/>
+              <a:schemeClr val="accent4">
+                <a:lumMod val="50000"/>
               </a:schemeClr>
             </a:solidFill>
           </a:ln>
@@ -5533,7 +5488,6 @@
           </p:cNvPr>
           <p:cNvCxnSpPr>
             <a:cxnSpLocks/>
-            <a:endCxn id="173" idx="3"/>
           </p:cNvCxnSpPr>
           <p:nvPr/>
         </p:nvCxnSpPr>
@@ -5548,6 +5502,9 @@
             </a:avLst>
           </a:prstGeom>
           <a:ln>
+            <a:solidFill>
+              <a:srgbClr val="7030A0"/>
+            </a:solidFill>
             <a:tailEnd type="triangle"/>
           </a:ln>
         </p:spPr>
@@ -5591,6 +5548,9 @@
             </a:avLst>
           </a:prstGeom>
           <a:ln>
+            <a:solidFill>
+              <a:srgbClr val="7030A0"/>
+            </a:solidFill>
             <a:prstDash val="lgDash"/>
             <a:tailEnd type="triangle"/>
           </a:ln>
@@ -5631,13 +5591,11 @@
             <a:avLst/>
           </a:prstGeom>
           <a:solidFill>
-            <a:srgbClr val="0070C0"/>
+            <a:srgbClr val="7030A0"/>
           </a:solidFill>
           <a:ln>
             <a:solidFill>
-              <a:schemeClr val="tx2">
-                <a:lumMod val="75000"/>
-              </a:schemeClr>
+              <a:srgbClr val="002060"/>
             </a:solidFill>
           </a:ln>
           <a:effectLst/>
@@ -5694,6 +5652,9 @@
             </a:avLst>
           </a:prstGeom>
           <a:ln>
+            <a:solidFill>
+              <a:srgbClr val="7030A0"/>
+            </a:solidFill>
             <a:tailEnd type="triangle"/>
           </a:ln>
         </p:spPr>
@@ -5737,6 +5698,9 @@
             </a:avLst>
           </a:prstGeom>
           <a:ln>
+            <a:solidFill>
+              <a:srgbClr val="7030A0"/>
+            </a:solidFill>
             <a:prstDash val="lgDash"/>
             <a:tailEnd type="triangle"/>
           </a:ln>
@@ -5777,6 +5741,9 @@
             <a:avLst/>
           </a:prstGeom>
           <a:noFill/>
+          <a:ln>
+            <a:noFill/>
+          </a:ln>
         </p:spPr>
         <p:txBody>
           <a:bodyPr wrap="square" lIns="0" tIns="0" rIns="0" bIns="0" rtlCol="0">
@@ -5796,11 +5763,19 @@
           </a:lstStyle>
           <a:p>
             <a:r>
-              <a:rPr lang="en-US" sz="1100" dirty="0" err="1"/>
+              <a:rPr lang="en-US" sz="1100" dirty="0" err="1">
+                <a:solidFill>
+                  <a:srgbClr val="7030A0"/>
+                </a:solidFill>
+              </a:rPr>
               <a:t>updateFilteredParcelList</a:t>
             </a:r>
             <a:r>
-              <a:rPr lang="en-US" sz="1100" dirty="0"/>
+              <a:rPr lang="en-US" sz="1100" dirty="0">
+                <a:solidFill>
+                  <a:srgbClr val="7030A0"/>
+                </a:solidFill>
+              </a:rPr>
               <a:t>(PREDICATE_SHOW_ALL_PARCELS)</a:t>
             </a:r>
           </a:p>
@@ -5827,13 +5802,11 @@
             <a:avLst/>
           </a:prstGeom>
           <a:solidFill>
-            <a:srgbClr val="0070C0"/>
+            <a:srgbClr val="7030A0"/>
           </a:solidFill>
           <a:ln>
             <a:solidFill>
-              <a:schemeClr val="tx2">
-                <a:lumMod val="75000"/>
-              </a:schemeClr>
+              <a:srgbClr val="002060"/>
             </a:solidFill>
           </a:ln>
           <a:effectLst/>
@@ -5890,6 +5863,9 @@
             </a:avLst>
           </a:prstGeom>
           <a:ln>
+            <a:solidFill>
+              <a:srgbClr val="7030A0"/>
+            </a:solidFill>
             <a:tailEnd type="triangle"/>
           </a:ln>
         </p:spPr>
@@ -5933,6 +5909,9 @@
             </a:avLst>
           </a:prstGeom>
           <a:ln>
+            <a:solidFill>
+              <a:srgbClr val="7030A0"/>
+            </a:solidFill>
             <a:prstDash val="lgDash"/>
             <a:tailEnd type="triangle"/>
           </a:ln>
@@ -5973,6 +5952,9 @@
             <a:avLst/>
           </a:prstGeom>
           <a:noFill/>
+          <a:ln>
+            <a:noFill/>
+          </a:ln>
         </p:spPr>
         <p:txBody>
           <a:bodyPr wrap="square" lIns="0" tIns="0" rIns="0" bIns="0" rtlCol="0">
@@ -5992,11 +5974,19 @@
           </a:lstStyle>
           <a:p>
             <a:r>
-              <a:rPr lang="en-US" sz="1100" dirty="0" err="1"/>
+              <a:rPr lang="en-US" sz="1100" dirty="0" err="1">
+                <a:solidFill>
+                  <a:srgbClr val="7030A0"/>
+                </a:solidFill>
+              </a:rPr>
               <a:t>indicateAddressBookChanged</a:t>
             </a:r>
             <a:r>
-              <a:rPr lang="en-US" sz="1100" dirty="0"/>
+              <a:rPr lang="en-US" sz="1100" dirty="0">
+                <a:solidFill>
+                  <a:srgbClr val="7030A0"/>
+                </a:solidFill>
+              </a:rPr>
               <a:t>()</a:t>
             </a:r>
           </a:p>
